--- a/Creation de mon application web.pptx
+++ b/Creation de mon application web.pptx
@@ -7,8 +7,10 @@
   <p:sldIdLst>
     <p:sldId id="256" r:id="rId2"/>
     <p:sldId id="257" r:id="rId3"/>
-    <p:sldId id="258" r:id="rId4"/>
-    <p:sldId id="259" r:id="rId5"/>
+    <p:sldId id="261" r:id="rId4"/>
+    <p:sldId id="260" r:id="rId5"/>
+    <p:sldId id="258" r:id="rId6"/>
+    <p:sldId id="259" r:id="rId7"/>
   </p:sldIdLst>
   <p:sldSz cx="12192000" cy="6858000"/>
   <p:notesSz cx="6858000" cy="9144000"/>
@@ -107,6 +109,11 @@
       </a:defRPr>
     </a:lvl9pPr>
   </p:defaultTextStyle>
+  <p:extLst>
+    <p:ext uri="{EFAFB233-063F-42B5-8137-9DF3F51BA10A}">
+      <p15:sldGuideLst xmlns:p15="http://schemas.microsoft.com/office/powerpoint/2012/main"/>
+    </p:ext>
+  </p:extLst>
 </p:presentation>
 </file>
 
@@ -445,7 +452,7 @@
           <a:p>
             <a:fld id="{065339A8-530B-450A-9C1E-E5D302313823}" type="datetimeFigureOut">
               <a:rPr lang="fr-FR" smtClean="0"/>
-              <a:t>03/12/2022</a:t>
+              <a:t>17/12/2022</a:t>
             </a:fld>
             <a:endParaRPr lang="fr-FR"/>
           </a:p>
@@ -1533,7 +1540,7 @@
           <a:p>
             <a:fld id="{065339A8-530B-450A-9C1E-E5D302313823}" type="datetimeFigureOut">
               <a:rPr lang="fr-FR" smtClean="0"/>
-              <a:t>03/12/2022</a:t>
+              <a:t>17/12/2022</a:t>
             </a:fld>
             <a:endParaRPr lang="fr-FR"/>
           </a:p>
@@ -2513,7 +2520,7 @@
           <a:p>
             <a:fld id="{065339A8-530B-450A-9C1E-E5D302313823}" type="datetimeFigureOut">
               <a:rPr lang="fr-FR" smtClean="0"/>
-              <a:t>03/12/2022</a:t>
+              <a:t>17/12/2022</a:t>
             </a:fld>
             <a:endParaRPr lang="fr-FR"/>
           </a:p>
@@ -3647,7 +3654,7 @@
           <a:p>
             <a:fld id="{065339A8-530B-450A-9C1E-E5D302313823}" type="datetimeFigureOut">
               <a:rPr lang="fr-FR" smtClean="0"/>
-              <a:t>03/12/2022</a:t>
+              <a:t>17/12/2022</a:t>
             </a:fld>
             <a:endParaRPr lang="fr-FR"/>
           </a:p>
@@ -4680,7 +4687,7 @@
           <a:p>
             <a:fld id="{065339A8-530B-450A-9C1E-E5D302313823}" type="datetimeFigureOut">
               <a:rPr lang="fr-FR" smtClean="0"/>
-              <a:t>03/12/2022</a:t>
+              <a:t>17/12/2022</a:t>
             </a:fld>
             <a:endParaRPr lang="fr-FR"/>
           </a:p>
@@ -5340,7 +5347,7 @@
           <a:p>
             <a:fld id="{065339A8-530B-450A-9C1E-E5D302313823}" type="datetimeFigureOut">
               <a:rPr lang="fr-FR" smtClean="0"/>
-              <a:t>03/12/2022</a:t>
+              <a:t>17/12/2022</a:t>
             </a:fld>
             <a:endParaRPr lang="fr-FR"/>
           </a:p>
@@ -6201,7 +6208,7 @@
           <a:p>
             <a:fld id="{065339A8-530B-450A-9C1E-E5D302313823}" type="datetimeFigureOut">
               <a:rPr lang="fr-FR" smtClean="0"/>
-              <a:t>03/12/2022</a:t>
+              <a:t>17/12/2022</a:t>
             </a:fld>
             <a:endParaRPr lang="fr-FR"/>
           </a:p>
@@ -6391,7 +6398,7 @@
           <a:p>
             <a:fld id="{065339A8-530B-450A-9C1E-E5D302313823}" type="datetimeFigureOut">
               <a:rPr lang="fr-FR" smtClean="0"/>
-              <a:t>03/12/2022</a:t>
+              <a:t>17/12/2022</a:t>
             </a:fld>
             <a:endParaRPr lang="fr-FR"/>
           </a:p>
@@ -7363,7 +7370,7 @@
           <a:p>
             <a:fld id="{065339A8-530B-450A-9C1E-E5D302313823}" type="datetimeFigureOut">
               <a:rPr lang="fr-FR" smtClean="0"/>
-              <a:t>03/12/2022</a:t>
+              <a:t>17/12/2022</a:t>
             </a:fld>
             <a:endParaRPr lang="fr-FR"/>
           </a:p>
@@ -7574,7 +7581,7 @@
           <a:p>
             <a:fld id="{065339A8-530B-450A-9C1E-E5D302313823}" type="datetimeFigureOut">
               <a:rPr lang="fr-FR" smtClean="0"/>
-              <a:t>03/12/2022</a:t>
+              <a:t>17/12/2022</a:t>
             </a:fld>
             <a:endParaRPr lang="fr-FR"/>
           </a:p>
@@ -8608,7 +8615,7 @@
           <a:p>
             <a:fld id="{065339A8-530B-450A-9C1E-E5D302313823}" type="datetimeFigureOut">
               <a:rPr lang="fr-FR" smtClean="0"/>
-              <a:t>03/12/2022</a:t>
+              <a:t>17/12/2022</a:t>
             </a:fld>
             <a:endParaRPr lang="fr-FR"/>
           </a:p>
@@ -8880,7 +8887,7 @@
           <a:p>
             <a:fld id="{065339A8-530B-450A-9C1E-E5D302313823}" type="datetimeFigureOut">
               <a:rPr lang="fr-FR" smtClean="0"/>
-              <a:t>03/12/2022</a:t>
+              <a:t>17/12/2022</a:t>
             </a:fld>
             <a:endParaRPr lang="fr-FR"/>
           </a:p>
@@ -9290,7 +9297,7 @@
           <a:p>
             <a:fld id="{065339A8-530B-450A-9C1E-E5D302313823}" type="datetimeFigureOut">
               <a:rPr lang="fr-FR" smtClean="0"/>
-              <a:t>03/12/2022</a:t>
+              <a:t>17/12/2022</a:t>
             </a:fld>
             <a:endParaRPr lang="fr-FR"/>
           </a:p>
@@ -9417,7 +9424,7 @@
           <a:p>
             <a:fld id="{065339A8-530B-450A-9C1E-E5D302313823}" type="datetimeFigureOut">
               <a:rPr lang="fr-FR" smtClean="0"/>
-              <a:t>03/12/2022</a:t>
+              <a:t>17/12/2022</a:t>
             </a:fld>
             <a:endParaRPr lang="fr-FR"/>
           </a:p>
@@ -9512,7 +9519,7 @@
           <a:p>
             <a:fld id="{065339A8-530B-450A-9C1E-E5D302313823}" type="datetimeFigureOut">
               <a:rPr lang="fr-FR" smtClean="0"/>
-              <a:t>03/12/2022</a:t>
+              <a:t>17/12/2022</a:t>
             </a:fld>
             <a:endParaRPr lang="fr-FR"/>
           </a:p>
@@ -10593,7 +10600,7 @@
           <a:p>
             <a:fld id="{065339A8-530B-450A-9C1E-E5D302313823}" type="datetimeFigureOut">
               <a:rPr lang="fr-FR" smtClean="0"/>
-              <a:t>03/12/2022</a:t>
+              <a:t>17/12/2022</a:t>
             </a:fld>
             <a:endParaRPr lang="fr-FR"/>
           </a:p>
@@ -11701,7 +11708,7 @@
           <a:p>
             <a:fld id="{065339A8-530B-450A-9C1E-E5D302313823}" type="datetimeFigureOut">
               <a:rPr lang="fr-FR" smtClean="0"/>
-              <a:t>03/12/2022</a:t>
+              <a:t>17/12/2022</a:t>
             </a:fld>
             <a:endParaRPr lang="fr-FR"/>
           </a:p>
@@ -12698,7 +12705,7 @@
           <a:p>
             <a:fld id="{065339A8-530B-450A-9C1E-E5D302313823}" type="datetimeFigureOut">
               <a:rPr lang="fr-FR" smtClean="0"/>
-              <a:t>03/12/2022</a:t>
+              <a:t>17/12/2022</a:t>
             </a:fld>
             <a:endParaRPr lang="fr-FR"/>
           </a:p>
@@ -13359,7 +13366,19 @@
           <a:p>
             <a:r>
               <a:rPr lang="en-US" dirty="0" smtClean="0"/>
-              <a:t>              Objet du </a:t>
+              <a:t>              </a:t>
+            </a:r>
+            <a:r>
+              <a:rPr lang="en-US" dirty="0" err="1" smtClean="0"/>
+              <a:t>Objectif</a:t>
+            </a:r>
+            <a:r>
+              <a:rPr lang="en-US" dirty="0" smtClean="0"/>
+              <a:t> </a:t>
+            </a:r>
+            <a:r>
+              <a:rPr lang="en-US" dirty="0" smtClean="0"/>
+              <a:t>du </a:t>
             </a:r>
             <a:r>
               <a:rPr lang="en-US" dirty="0" err="1" smtClean="0"/>
@@ -13386,27 +13405,44 @@
           <a:p>
             <a:r>
               <a:rPr lang="en-US" dirty="0" smtClean="0"/>
-              <a:t>Mon application a pour but de </a:t>
+              <a:t>Promouvoir la vente de terrain sur le territoire Ivoirien</a:t>
+            </a:r>
+            <a:endParaRPr lang="en-US" dirty="0"/>
+          </a:p>
+          <a:p>
+            <a:pPr marL="0" indent="0">
+              <a:buNone/>
+            </a:pPr>
+            <a:endParaRPr lang="en-US" dirty="0" smtClean="0"/>
+          </a:p>
+          <a:p>
+            <a:endParaRPr lang="en-US" dirty="0"/>
+          </a:p>
+          <a:p>
+            <a:r>
+              <a:rPr lang="en-US" dirty="0" err="1" smtClean="0"/>
+              <a:t>Obtenir</a:t>
+            </a:r>
+            <a:r>
+              <a:rPr lang="en-US" dirty="0" smtClean="0"/>
+              <a:t> des </a:t>
             </a:r>
             <a:r>
               <a:rPr lang="en-US" dirty="0" err="1" smtClean="0"/>
-              <a:t>creer</a:t>
-            </a:r>
-            <a:r>
-              <a:rPr lang="en-US" dirty="0"/>
-              <a:t> </a:t>
-            </a:r>
-            <a:r>
-              <a:rPr lang="en-US" dirty="0" err="1" smtClean="0"/>
-              <a:t>une</a:t>
+              <a:t>vues</a:t>
             </a:r>
             <a:r>
               <a:rPr lang="en-US" dirty="0" smtClean="0"/>
-              <a:t> application web </a:t>
+              <a:t> </a:t>
             </a:r>
+          </a:p>
+          <a:p>
+            <a:endParaRPr lang="en-US" dirty="0"/>
+          </a:p>
+          <a:p>
             <a:r>
               <a:rPr lang="en-US" dirty="0" err="1" smtClean="0"/>
-              <a:t>en</a:t>
+              <a:t>Pourvoir</a:t>
             </a:r>
             <a:r>
               <a:rPr lang="en-US" dirty="0" smtClean="0"/>
@@ -13414,106 +13450,13 @@
             </a:r>
             <a:r>
               <a:rPr lang="en-US" dirty="0" err="1" smtClean="0"/>
-              <a:t>vue</a:t>
+              <a:t>vendre</a:t>
             </a:r>
             <a:r>
               <a:rPr lang="en-US" dirty="0" smtClean="0"/>
-              <a:t> de </a:t>
+              <a:t> et faire des benefices</a:t>
             </a:r>
-            <a:r>
-              <a:rPr lang="en-US" dirty="0" err="1" smtClean="0"/>
-              <a:t>gerer</a:t>
-            </a:r>
-            <a:r>
-              <a:rPr lang="en-US" dirty="0" smtClean="0"/>
-              <a:t> la </a:t>
-            </a:r>
-            <a:r>
-              <a:rPr lang="en-US" dirty="0" err="1" smtClean="0"/>
-              <a:t>vente</a:t>
-            </a:r>
-            <a:r>
-              <a:rPr lang="en-US" dirty="0" smtClean="0"/>
-              <a:t> des terrains </a:t>
-            </a:r>
-            <a:r>
-              <a:rPr lang="en-US" dirty="0" err="1" smtClean="0"/>
-              <a:t>en</a:t>
-            </a:r>
-            <a:r>
-              <a:rPr lang="en-US" dirty="0" smtClean="0"/>
-              <a:t> Cote D’ivoire </a:t>
-            </a:r>
-          </a:p>
-          <a:p>
-            <a:endParaRPr lang="en-US" dirty="0"/>
-          </a:p>
-          <a:p>
-            <a:r>
-              <a:rPr lang="en-US" dirty="0" smtClean="0"/>
-              <a:t>Mon application a pour </a:t>
-            </a:r>
-            <a:r>
-              <a:rPr lang="en-US" dirty="0" err="1" smtClean="0"/>
-              <a:t>objectif</a:t>
-            </a:r>
-            <a:r>
-              <a:rPr lang="en-US" dirty="0" smtClean="0"/>
-              <a:t> de </a:t>
-            </a:r>
-            <a:r>
-              <a:rPr lang="en-US" dirty="0" err="1" smtClean="0"/>
-              <a:t>gerer</a:t>
-            </a:r>
-            <a:r>
-              <a:rPr lang="en-US" dirty="0" smtClean="0"/>
-              <a:t> et </a:t>
-            </a:r>
-            <a:r>
-              <a:rPr lang="en-US" dirty="0" err="1" smtClean="0"/>
-              <a:t>faciliter</a:t>
-            </a:r>
-            <a:r>
-              <a:rPr lang="en-US" dirty="0" smtClean="0"/>
-              <a:t> la </a:t>
-            </a:r>
-            <a:r>
-              <a:rPr lang="en-US" dirty="0" err="1" smtClean="0"/>
-              <a:t>vente</a:t>
-            </a:r>
-            <a:r>
-              <a:rPr lang="en-US" dirty="0" smtClean="0"/>
-              <a:t> des terrains </a:t>
-            </a:r>
-          </a:p>
-          <a:p>
-            <a:endParaRPr lang="en-US" dirty="0"/>
-          </a:p>
-          <a:p>
-            <a:r>
-              <a:rPr lang="en-US" dirty="0" err="1" smtClean="0"/>
-              <a:t>Etablir</a:t>
-            </a:r>
-            <a:r>
-              <a:rPr lang="en-US" dirty="0" smtClean="0"/>
-              <a:t> </a:t>
-            </a:r>
-            <a:r>
-              <a:rPr lang="en-US" dirty="0" err="1" smtClean="0"/>
-              <a:t>une</a:t>
-            </a:r>
-            <a:r>
-              <a:rPr lang="en-US" dirty="0" smtClean="0"/>
-              <a:t> connection </a:t>
-            </a:r>
-            <a:r>
-              <a:rPr lang="en-US" dirty="0" err="1" smtClean="0"/>
-              <a:t>securiser</a:t>
-            </a:r>
-            <a:r>
-              <a:rPr lang="en-US" dirty="0" smtClean="0"/>
-              <a:t> </a:t>
-            </a:r>
+            <a:endParaRPr lang="en-US" dirty="0" smtClean="0"/>
           </a:p>
         </p:txBody>
       </p:sp>
@@ -13571,11 +13514,200 @@
           <a:p>
             <a:r>
               <a:rPr lang="en-US" dirty="0" smtClean="0"/>
+              <a:t>                         Acteur</a:t>
+            </a:r>
+            <a:endParaRPr lang="fr-FR" dirty="0"/>
+          </a:p>
+        </p:txBody>
+      </p:sp>
+      <p:sp>
+        <p:nvSpPr>
+          <p:cNvPr id="3" name="Espace réservé du contenu 2"/>
+          <p:cNvSpPr>
+            <a:spLocks noGrp="1"/>
+          </p:cNvSpPr>
+          <p:nvPr>
+            <p:ph idx="1"/>
+          </p:nvPr>
+        </p:nvSpPr>
+        <p:spPr/>
+        <p:txBody>
+          <a:bodyPr/>
+          <a:lstStyle/>
+          <a:p>
+            <a:r>
+              <a:rPr lang="en-US" dirty="0" smtClean="0"/>
+              <a:t>Un administrateur</a:t>
+            </a:r>
+          </a:p>
+          <a:p>
+            <a:endParaRPr lang="en-US" dirty="0" smtClean="0"/>
+          </a:p>
+          <a:p>
+            <a:r>
+              <a:rPr lang="en-US" dirty="0" smtClean="0"/>
+              <a:t>Visiteur</a:t>
+            </a:r>
+          </a:p>
+          <a:p>
+            <a:endParaRPr lang="en-US" dirty="0"/>
+          </a:p>
+          <a:p>
+            <a:pPr marL="0" indent="0">
+              <a:buNone/>
+            </a:pPr>
+            <a:r>
+              <a:rPr lang="en-US" dirty="0"/>
+              <a:t> </a:t>
+            </a:r>
+            <a:r>
+              <a:rPr lang="en-US" dirty="0" smtClean="0"/>
+              <a:t>   </a:t>
+            </a:r>
+            <a:endParaRPr lang="fr-FR" dirty="0"/>
+          </a:p>
+        </p:txBody>
+      </p:sp>
+    </p:spTree>
+    <p:extLst>
+      <p:ext uri="{BB962C8B-B14F-4D97-AF65-F5344CB8AC3E}">
+        <p14:creationId xmlns:p14="http://schemas.microsoft.com/office/powerpoint/2010/main" val="1923714200"/>
+      </p:ext>
+    </p:extLst>
+  </p:cSld>
+  <p:clrMapOvr>
+    <a:masterClrMapping/>
+  </p:clrMapOvr>
+</p:sld>
+</file>
+
+<file path=ppt/slides/slide4.xml><?xml version="1.0" encoding="utf-8"?>
+<p:sld xmlns:a="http://schemas.openxmlformats.org/drawingml/2006/main" xmlns:r="http://schemas.openxmlformats.org/officeDocument/2006/relationships" xmlns:p="http://schemas.openxmlformats.org/presentationml/2006/main">
+  <p:cSld>
+    <p:spTree>
+      <p:nvGrpSpPr>
+        <p:cNvPr id="1" name=""/>
+        <p:cNvGrpSpPr/>
+        <p:nvPr/>
+      </p:nvGrpSpPr>
+      <p:grpSpPr>
+        <a:xfrm>
+          <a:off x="0" y="0"/>
+          <a:ext cx="0" cy="0"/>
+          <a:chOff x="0" y="0"/>
+          <a:chExt cx="0" cy="0"/>
+        </a:xfrm>
+      </p:grpSpPr>
+      <p:sp>
+        <p:nvSpPr>
+          <p:cNvPr id="2" name="Titre 1"/>
+          <p:cNvSpPr>
+            <a:spLocks noGrp="1"/>
+          </p:cNvSpPr>
+          <p:nvPr>
+            <p:ph type="title"/>
+          </p:nvPr>
+        </p:nvSpPr>
+        <p:spPr/>
+        <p:txBody>
+          <a:bodyPr/>
+          <a:lstStyle/>
+          <a:p>
+            <a:r>
+              <a:rPr lang="en-US" dirty="0" smtClean="0"/>
+              <a:t>                          </a:t>
+            </a:r>
+            <a:r>
+              <a:rPr lang="en-US" dirty="0" err="1" smtClean="0"/>
+              <a:t>cible</a:t>
+            </a:r>
+            <a:endParaRPr lang="fr-FR" dirty="0"/>
+          </a:p>
+        </p:txBody>
+      </p:sp>
+      <p:sp>
+        <p:nvSpPr>
+          <p:cNvPr id="3" name="Espace réservé du contenu 2"/>
+          <p:cNvSpPr>
+            <a:spLocks noGrp="1"/>
+          </p:cNvSpPr>
+          <p:nvPr>
+            <p:ph idx="1"/>
+          </p:nvPr>
+        </p:nvSpPr>
+        <p:spPr/>
+        <p:txBody>
+          <a:bodyPr/>
+          <a:lstStyle/>
+          <a:p>
+            <a:r>
+              <a:rPr lang="en-US" dirty="0" smtClean="0"/>
+              <a:t>Nous visons toute personne susceptive d’avoir les moyens  d’acheter un terrains </a:t>
+            </a:r>
+          </a:p>
+          <a:p>
+            <a:r>
+              <a:rPr lang="en-US" dirty="0" smtClean="0"/>
+              <a:t>Notre activitee concerne  toute personne residant sur le territoire ivoirien</a:t>
+            </a:r>
+          </a:p>
+          <a:p>
+            <a:endParaRPr lang="fr-FR" dirty="0"/>
+          </a:p>
+        </p:txBody>
+      </p:sp>
+    </p:spTree>
+    <p:extLst>
+      <p:ext uri="{BB962C8B-B14F-4D97-AF65-F5344CB8AC3E}">
+        <p14:creationId xmlns:p14="http://schemas.microsoft.com/office/powerpoint/2010/main" val="4054859615"/>
+      </p:ext>
+    </p:extLst>
+  </p:cSld>
+  <p:clrMapOvr>
+    <a:masterClrMapping/>
+  </p:clrMapOvr>
+</p:sld>
+</file>
+
+<file path=ppt/slides/slide5.xml><?xml version="1.0" encoding="utf-8"?>
+<p:sld xmlns:a="http://schemas.openxmlformats.org/drawingml/2006/main" xmlns:r="http://schemas.openxmlformats.org/officeDocument/2006/relationships" xmlns:p="http://schemas.openxmlformats.org/presentationml/2006/main">
+  <p:cSld>
+    <p:spTree>
+      <p:nvGrpSpPr>
+        <p:cNvPr id="1" name=""/>
+        <p:cNvGrpSpPr/>
+        <p:nvPr/>
+      </p:nvGrpSpPr>
+      <p:grpSpPr>
+        <a:xfrm>
+          <a:off x="0" y="0"/>
+          <a:ext cx="0" cy="0"/>
+          <a:chOff x="0" y="0"/>
+          <a:chExt cx="0" cy="0"/>
+        </a:xfrm>
+      </p:grpSpPr>
+      <p:sp>
+        <p:nvSpPr>
+          <p:cNvPr id="2" name="Titre 1"/>
+          <p:cNvSpPr>
+            <a:spLocks noGrp="1"/>
+          </p:cNvSpPr>
+          <p:nvPr>
+            <p:ph type="title"/>
+          </p:nvPr>
+        </p:nvSpPr>
+        <p:spPr/>
+        <p:txBody>
+          <a:bodyPr/>
+          <a:lstStyle/>
+          <a:p>
+            <a:r>
+              <a:rPr lang="en-US" dirty="0" smtClean="0"/>
               <a:t>                  </a:t>
             </a:r>
             <a:r>
               <a:rPr lang="en-US" dirty="0" err="1" smtClean="0"/>
-              <a:t>Problematique</a:t>
+              <a:t>Contraintes</a:t>
             </a:r>
             <a:endParaRPr lang="fr-FR" dirty="0"/>
           </a:p>
@@ -13594,189 +13726,49 @@
         <p:spPr/>
         <p:txBody>
           <a:bodyPr>
-            <a:normAutofit lnSpcReduction="10000"/>
+            <a:normAutofit/>
           </a:bodyPr>
           <a:lstStyle/>
           <a:p>
             <a:r>
               <a:rPr lang="en-US" dirty="0" smtClean="0"/>
-              <a:t>Le client </a:t>
+              <a:t>Hebergement :</a:t>
             </a:r>
             <a:r>
               <a:rPr lang="en-US" dirty="0" err="1" smtClean="0"/>
-              <a:t>doit</a:t>
+              <a:t>Heroku</a:t>
             </a:r>
+            <a:endParaRPr lang="en-US" dirty="0" smtClean="0"/>
+          </a:p>
+          <a:p>
+            <a:pPr marL="0" indent="0">
+              <a:buNone/>
+            </a:pPr>
+            <a:endParaRPr lang="en-US" dirty="0" smtClean="0"/>
+          </a:p>
+          <a:p>
             <a:r>
               <a:rPr lang="en-US" dirty="0" smtClean="0"/>
-              <a:t>  se connecter /</a:t>
+              <a:t>Databe utilise: Mongodb</a:t>
             </a:r>
+            <a:endParaRPr lang="en-US" dirty="0" smtClean="0"/>
+          </a:p>
+          <a:p>
             <a:r>
-              <a:rPr lang="en-US" dirty="0" err="1" smtClean="0"/>
-              <a:t>deconnecter</a:t>
+              <a:rPr lang="en-US" dirty="0" smtClean="0"/>
+              <a:t>Back-end: Node js Express</a:t>
             </a:r>
+            <a:endParaRPr lang="en-US" dirty="0" smtClean="0"/>
+          </a:p>
+          <a:p>
             <a:r>
               <a:rPr lang="en-US" dirty="0" smtClean="0"/>
               <a:t> </a:t>
             </a:r>
             <a:r>
-              <a:rPr lang="en-US" dirty="0" err="1" smtClean="0"/>
-              <a:t>comme</a:t>
+              <a:rPr lang="en-US" dirty="0" smtClean="0"/>
+              <a:t>front-end : React</a:t>
             </a:r>
-            <a:r>
-              <a:rPr lang="en-US" dirty="0" smtClean="0"/>
-              <a:t> </a:t>
-            </a:r>
-            <a:r>
-              <a:rPr lang="en-US" dirty="0" err="1" smtClean="0"/>
-              <a:t>il</a:t>
-            </a:r>
-            <a:r>
-              <a:rPr lang="en-US" dirty="0" smtClean="0"/>
-              <a:t> </a:t>
-            </a:r>
-            <a:r>
-              <a:rPr lang="en-US" dirty="0" err="1" smtClean="0"/>
-              <a:t>veut</a:t>
-            </a:r>
-            <a:r>
-              <a:rPr lang="en-US" dirty="0" smtClean="0"/>
-              <a:t> </a:t>
-            </a:r>
-          </a:p>
-          <a:p>
-            <a:pPr marL="0" indent="0">
-              <a:buNone/>
-            </a:pPr>
-            <a:endParaRPr lang="en-US" dirty="0" smtClean="0"/>
-          </a:p>
-          <a:p>
-            <a:r>
-              <a:rPr lang="en-US" dirty="0" smtClean="0"/>
-              <a:t>Un </a:t>
-            </a:r>
-            <a:r>
-              <a:rPr lang="en-US" dirty="0" err="1" smtClean="0"/>
-              <a:t>seul</a:t>
-            </a:r>
-            <a:r>
-              <a:rPr lang="en-US" dirty="0" smtClean="0"/>
-              <a:t> admin </a:t>
-            </a:r>
-            <a:r>
-              <a:rPr lang="en-US" dirty="0" err="1" smtClean="0"/>
-              <a:t>dans</a:t>
-            </a:r>
-            <a:r>
-              <a:rPr lang="en-US" dirty="0" smtClean="0"/>
-              <a:t> mon application capable de </a:t>
-            </a:r>
-            <a:r>
-              <a:rPr lang="en-US" dirty="0" err="1" smtClean="0"/>
-              <a:t>gerer</a:t>
-            </a:r>
-            <a:r>
-              <a:rPr lang="en-US" dirty="0" smtClean="0"/>
-              <a:t> les operations CRUD </a:t>
-            </a:r>
-            <a:r>
-              <a:rPr lang="en-US" dirty="0" err="1" smtClean="0"/>
-              <a:t>possiblilite</a:t>
-            </a:r>
-            <a:r>
-              <a:rPr lang="en-US" dirty="0" smtClean="0"/>
-              <a:t> </a:t>
-            </a:r>
-            <a:r>
-              <a:rPr lang="en-US" dirty="0" err="1" smtClean="0"/>
-              <a:t>d’ajouter</a:t>
-            </a:r>
-            <a:r>
-              <a:rPr lang="en-US" dirty="0" smtClean="0"/>
-              <a:t> </a:t>
-            </a:r>
-            <a:r>
-              <a:rPr lang="en-US" dirty="0" err="1" smtClean="0"/>
-              <a:t>ou</a:t>
-            </a:r>
-            <a:r>
-              <a:rPr lang="en-US" dirty="0" smtClean="0"/>
-              <a:t> </a:t>
-            </a:r>
-            <a:r>
-              <a:rPr lang="en-US" dirty="0" err="1" smtClean="0"/>
-              <a:t>supprimer</a:t>
-            </a:r>
-            <a:r>
-              <a:rPr lang="en-US" dirty="0" smtClean="0"/>
-              <a:t> un client</a:t>
-            </a:r>
-          </a:p>
-          <a:p>
-            <a:endParaRPr lang="en-US" dirty="0" smtClean="0"/>
-          </a:p>
-          <a:p>
-            <a:r>
-              <a:rPr lang="en-US" dirty="0" smtClean="0"/>
-              <a:t>Un </a:t>
-            </a:r>
-            <a:r>
-              <a:rPr lang="en-US" dirty="0" err="1" smtClean="0"/>
-              <a:t>nouvel</a:t>
-            </a:r>
-            <a:r>
-              <a:rPr lang="en-US" dirty="0" smtClean="0"/>
-              <a:t> </a:t>
-            </a:r>
-            <a:r>
-              <a:rPr lang="en-US" dirty="0" err="1" smtClean="0"/>
-              <a:t>utilisateur</a:t>
-            </a:r>
-            <a:r>
-              <a:rPr lang="en-US" dirty="0" smtClean="0"/>
-              <a:t> </a:t>
-            </a:r>
-            <a:r>
-              <a:rPr lang="en-US" dirty="0" err="1" smtClean="0"/>
-              <a:t>peut</a:t>
-            </a:r>
-            <a:r>
-              <a:rPr lang="en-US" dirty="0" smtClean="0"/>
-              <a:t> </a:t>
-            </a:r>
-            <a:r>
-              <a:rPr lang="en-US" dirty="0" err="1" smtClean="0"/>
-              <a:t>sinscrire</a:t>
-            </a:r>
-            <a:endParaRPr lang="en-US" dirty="0" smtClean="0"/>
-          </a:p>
-          <a:p>
-            <a:r>
-              <a:rPr lang="en-US" dirty="0" smtClean="0"/>
-              <a:t> Un </a:t>
-            </a:r>
-            <a:r>
-              <a:rPr lang="en-US" dirty="0" err="1" smtClean="0"/>
-              <a:t>visiteur</a:t>
-            </a:r>
-            <a:r>
-              <a:rPr lang="en-US" dirty="0" smtClean="0"/>
-              <a:t> a un </a:t>
-            </a:r>
-            <a:r>
-              <a:rPr lang="en-US" dirty="0" err="1" smtClean="0"/>
-              <a:t>acces</a:t>
-            </a:r>
-            <a:r>
-              <a:rPr lang="en-US" dirty="0" smtClean="0"/>
-              <a:t> </a:t>
-            </a:r>
-            <a:r>
-              <a:rPr lang="en-US" dirty="0" err="1" smtClean="0"/>
-              <a:t>limite</a:t>
-            </a:r>
-            <a:endParaRPr lang="en-US" dirty="0" smtClean="0"/>
-          </a:p>
-          <a:p>
             <a:endParaRPr lang="en-US" dirty="0" smtClean="0"/>
           </a:p>
           <a:p>
@@ -13807,7 +13799,7 @@
 </p:sld>
 </file>
 
-<file path=ppt/slides/slide4.xml><?xml version="1.0" encoding="utf-8"?>
+<file path=ppt/slides/slide6.xml><?xml version="1.0" encoding="utf-8"?>
 <p:sld xmlns:a="http://schemas.openxmlformats.org/drawingml/2006/main" xmlns:r="http://schemas.openxmlformats.org/officeDocument/2006/relationships" xmlns:p="http://schemas.openxmlformats.org/presentationml/2006/main">
   <p:cSld>
     <p:spTree>
